--- a/notes/notes/ds-algo/ch12-hash.pptx
+++ b/notes/notes/ds-algo/ch12-hash.pptx
@@ -218,7 +218,7 @@
           <a:p>
             <a:fld id="{9BFDADED-620D-D24E-82E2-96F000A12D1D}" type="datetimeFigureOut">
               <a:rPr lang="en-CN" smtClean="0"/>
-              <a:t>2024/1/25</a:t>
+              <a:t>2024/1/26</a:t>
             </a:fld>
             <a:endParaRPr lang="en-CN"/>
           </a:p>
@@ -601,7 +601,7 @@
         </p:nvSpPr>
         <p:spPr>
           <a:xfrm>
-            <a:off x="0" y="6357498"/>
+            <a:off x="0" y="6355393"/>
             <a:ext cx="9144000" cy="500501"/>
           </a:xfrm>
           <a:prstGeom prst="rect">
@@ -805,6 +805,53 @@
           </a:p>
         </p:txBody>
       </p:sp>
+      <p:pic>
+        <p:nvPicPr>
+          <p:cNvPr id="9" name="Picture 2">
+            <a:extLst>
+              <a:ext uri="{FF2B5EF4-FFF2-40B4-BE49-F238E27FC236}">
+                <a16:creationId xmlns:a16="http://schemas.microsoft.com/office/drawing/2014/main" id="{3F310BC9-6292-2807-4B56-560BD71C046A}"/>
+              </a:ext>
+            </a:extLst>
+          </p:cNvPr>
+          <p:cNvPicPr>
+            <a:picLocks noChangeAspect="1" noChangeArrowheads="1"/>
+          </p:cNvPicPr>
+          <p:nvPr userDrawn="1"/>
+        </p:nvPicPr>
+        <p:blipFill>
+          <a:blip r:embed="rId2">
+            <a:extLst>
+              <a:ext uri="{28A0092B-C50C-407E-A947-70E740481C1C}">
+                <a14:useLocalDpi xmlns:a14="http://schemas.microsoft.com/office/drawing/2010/main" val="0"/>
+              </a:ext>
+            </a:extLst>
+          </a:blip>
+          <a:srcRect/>
+          <a:stretch>
+            <a:fillRect/>
+          </a:stretch>
+        </p:blipFill>
+        <p:spPr bwMode="auto">
+          <a:xfrm>
+            <a:off x="8244520" y="0"/>
+            <a:ext cx="899480" cy="168442"/>
+          </a:xfrm>
+          <a:prstGeom prst="rect">
+            <a:avLst/>
+          </a:prstGeom>
+          <a:noFill/>
+          <a:extLst>
+            <a:ext uri="{909E8E84-426E-40DD-AFC4-6F175D3DCCD1}">
+              <a14:hiddenFill xmlns:a14="http://schemas.microsoft.com/office/drawing/2010/main">
+                <a:solidFill>
+                  <a:srgbClr val="FFFFFF"/>
+                </a:solidFill>
+              </a14:hiddenFill>
+            </a:ext>
+          </a:extLst>
+        </p:spPr>
+      </p:pic>
     </p:spTree>
     <p:extLst>
       <p:ext uri="{BB962C8B-B14F-4D97-AF65-F5344CB8AC3E}">
@@ -1707,7 +1754,7 @@
           <a:p>
             <a:fld id="{58D30FAB-176C-8449-8796-69F8D9C85B57}" type="datetime1">
               <a:rPr lang="en-US" smtClean="0"/>
-              <a:t>1/25/24</a:t>
+              <a:t>1/26/24</a:t>
             </a:fld>
             <a:endParaRPr lang="en-CN"/>
           </a:p>
@@ -2514,7 +2561,7 @@
                   </a:solidFill>
                   <a:latin typeface="Crimson"/>
                 </a:rPr>
-                <a:t>Russel</a:t>
+                <a:t>Russell</a:t>
               </a:r>
             </a:p>
           </p:txBody>
@@ -2911,8 +2958,8 @@
           </a:prstGeom>
         </p:spPr>
       </p:pic>
-      <mc:AlternateContent xmlns:mc="http://schemas.openxmlformats.org/markup-compatibility/2006">
-        <mc:Choice xmlns:a14="http://schemas.microsoft.com/office/drawing/2010/main" Requires="a14">
+      <mc:AlternateContent xmlns:mc="http://schemas.openxmlformats.org/markup-compatibility/2006" xmlns:a14="http://schemas.microsoft.com/office/drawing/2010/main">
+        <mc:Choice Requires="a14">
           <p:sp>
             <p:nvSpPr>
               <p:cNvPr id="5" name="TextBox 4">
@@ -3160,7 +3207,7 @@
             </p:txBody>
           </p:sp>
         </mc:Choice>
-        <mc:Fallback>
+        <mc:Fallback xmlns="">
           <p:sp>
             <p:nvSpPr>
               <p:cNvPr id="5" name="TextBox 4">
@@ -3205,8 +3252,8 @@
           </p:sp>
         </mc:Fallback>
       </mc:AlternateContent>
-      <mc:AlternateContent xmlns:mc="http://schemas.openxmlformats.org/markup-compatibility/2006">
-        <mc:Choice xmlns:a14="http://schemas.microsoft.com/office/drawing/2010/main" Requires="a14">
+      <mc:AlternateContent xmlns:mc="http://schemas.openxmlformats.org/markup-compatibility/2006" xmlns:a14="http://schemas.microsoft.com/office/drawing/2010/main">
+        <mc:Choice Requires="a14">
           <p:sp>
             <p:nvSpPr>
               <p:cNvPr id="6" name="TextBox 5">
@@ -3306,7 +3353,7 @@
             </p:txBody>
           </p:sp>
         </mc:Choice>
-        <mc:Fallback>
+        <mc:Fallback xmlns="">
           <p:sp>
             <p:nvSpPr>
               <p:cNvPr id="6" name="TextBox 5">
@@ -3669,8 +3716,8 @@
           </a:prstGeom>
         </p:spPr>
       </p:pic>
-      <mc:AlternateContent xmlns:mc="http://schemas.openxmlformats.org/markup-compatibility/2006">
-        <mc:Choice xmlns:a14="http://schemas.microsoft.com/office/drawing/2010/main" Requires="a14">
+      <mc:AlternateContent xmlns:mc="http://schemas.openxmlformats.org/markup-compatibility/2006" xmlns:a14="http://schemas.microsoft.com/office/drawing/2010/main">
+        <mc:Choice Requires="a14">
           <p:sp>
             <p:nvSpPr>
               <p:cNvPr id="13" name="TextBox 12">
@@ -3727,7 +3774,7 @@
             </p:txBody>
           </p:sp>
         </mc:Choice>
-        <mc:Fallback>
+        <mc:Fallback xmlns="">
           <p:sp>
             <p:nvSpPr>
               <p:cNvPr id="13" name="TextBox 12">
@@ -4015,8 +4062,8 @@
           </a:prstGeom>
         </p:spPr>
       </p:pic>
-      <mc:AlternateContent xmlns:mc="http://schemas.openxmlformats.org/markup-compatibility/2006">
-        <mc:Choice xmlns:a14="http://schemas.microsoft.com/office/drawing/2010/main" Requires="a14">
+      <mc:AlternateContent xmlns:mc="http://schemas.openxmlformats.org/markup-compatibility/2006" xmlns:a14="http://schemas.microsoft.com/office/drawing/2010/main">
+        <mc:Choice Requires="a14">
           <p:sp>
             <p:nvSpPr>
               <p:cNvPr id="6" name="TextBox 5">
@@ -4073,7 +4120,7 @@
             </p:txBody>
           </p:sp>
         </mc:Choice>
-        <mc:Fallback>
+        <mc:Fallback xmlns="">
           <p:sp>
             <p:nvSpPr>
               <p:cNvPr id="6" name="TextBox 5">
@@ -4193,8 +4240,8 @@
           </a:prstGeom>
         </p:spPr>
       </p:pic>
-      <mc:AlternateContent xmlns:mc="http://schemas.openxmlformats.org/markup-compatibility/2006">
-        <mc:Choice xmlns:a14="http://schemas.microsoft.com/office/drawing/2010/main" Requires="a14">
+      <mc:AlternateContent xmlns:mc="http://schemas.openxmlformats.org/markup-compatibility/2006" xmlns:a14="http://schemas.microsoft.com/office/drawing/2010/main">
+        <mc:Choice Requires="a14">
           <p:sp>
             <p:nvSpPr>
               <p:cNvPr id="15" name="TextBox 14">
@@ -4314,7 +4361,7 @@
             </p:txBody>
           </p:sp>
         </mc:Choice>
-        <mc:Fallback>
+        <mc:Fallback xmlns="">
           <p:sp>
             <p:nvSpPr>
               <p:cNvPr id="15" name="TextBox 14">
@@ -5288,8 +5335,8 @@
           </a:p>
         </p:txBody>
       </p:sp>
-      <mc:AlternateContent xmlns:mc="http://schemas.openxmlformats.org/markup-compatibility/2006">
-        <mc:Choice xmlns:a14="http://schemas.microsoft.com/office/drawing/2010/main" Requires="a14">
+      <mc:AlternateContent xmlns:mc="http://schemas.openxmlformats.org/markup-compatibility/2006" xmlns:a14="http://schemas.microsoft.com/office/drawing/2010/main">
+        <mc:Choice Requires="a14">
           <p:sp>
             <p:nvSpPr>
               <p:cNvPr id="4" name="TextBox 3">
@@ -5361,7 +5408,7 @@
             </p:txBody>
           </p:sp>
         </mc:Choice>
-        <mc:Fallback>
+        <mc:Fallback xmlns="">
           <p:sp>
             <p:nvSpPr>
               <p:cNvPr id="4" name="TextBox 3">
@@ -6120,8 +6167,8 @@
           </a:prstGeom>
         </p:spPr>
       </p:pic>
-      <mc:AlternateContent xmlns:mc="http://schemas.openxmlformats.org/markup-compatibility/2006">
-        <mc:Choice xmlns:a14="http://schemas.microsoft.com/office/drawing/2010/main" Requires="a14">
+      <mc:AlternateContent xmlns:mc="http://schemas.openxmlformats.org/markup-compatibility/2006" xmlns:a14="http://schemas.microsoft.com/office/drawing/2010/main">
+        <mc:Choice Requires="a14">
           <p:sp>
             <p:nvSpPr>
               <p:cNvPr id="13" name="TextBox 12">
@@ -6251,7 +6298,7 @@
             </p:txBody>
           </p:sp>
         </mc:Choice>
-        <mc:Fallback>
+        <mc:Fallback xmlns="">
           <p:sp>
             <p:nvSpPr>
               <p:cNvPr id="13" name="TextBox 12">
@@ -6395,8 +6442,8 @@
           </a:prstGeom>
         </p:spPr>
       </p:pic>
-      <mc:AlternateContent xmlns:mc="http://schemas.openxmlformats.org/markup-compatibility/2006">
-        <mc:Choice xmlns:a14="http://schemas.microsoft.com/office/drawing/2010/main" Requires="a14">
+      <mc:AlternateContent xmlns:mc="http://schemas.openxmlformats.org/markup-compatibility/2006" xmlns:a14="http://schemas.microsoft.com/office/drawing/2010/main">
+        <mc:Choice Requires="a14">
           <p:sp>
             <p:nvSpPr>
               <p:cNvPr id="17" name="TextBox 16">
@@ -6463,7 +6510,7 @@
             </p:txBody>
           </p:sp>
         </mc:Choice>
-        <mc:Fallback>
+        <mc:Fallback xmlns="">
           <p:sp>
             <p:nvSpPr>
               <p:cNvPr id="17" name="TextBox 16">
@@ -6689,8 +6736,8 @@
           </a:prstGeom>
         </p:spPr>
       </p:pic>
-      <mc:AlternateContent xmlns:mc="http://schemas.openxmlformats.org/markup-compatibility/2006">
-        <mc:Choice xmlns:a14="http://schemas.microsoft.com/office/drawing/2010/main" Requires="a14">
+      <mc:AlternateContent xmlns:mc="http://schemas.openxmlformats.org/markup-compatibility/2006" xmlns:a14="http://schemas.microsoft.com/office/drawing/2010/main">
+        <mc:Choice Requires="a14">
           <p:sp>
             <p:nvSpPr>
               <p:cNvPr id="7" name="TextBox 6">
@@ -7205,7 +7252,7 @@
             </p:txBody>
           </p:sp>
         </mc:Choice>
-        <mc:Fallback>
+        <mc:Fallback xmlns="">
           <p:sp>
             <p:nvSpPr>
               <p:cNvPr id="7" name="TextBox 6">
@@ -7444,8 +7491,8 @@
           </a:prstGeom>
         </p:spPr>
       </p:pic>
-      <mc:AlternateContent xmlns:mc="http://schemas.openxmlformats.org/markup-compatibility/2006">
-        <mc:Choice xmlns:a14="http://schemas.microsoft.com/office/drawing/2010/main" Requires="a14">
+      <mc:AlternateContent xmlns:mc="http://schemas.openxmlformats.org/markup-compatibility/2006" xmlns:a14="http://schemas.microsoft.com/office/drawing/2010/main">
+        <mc:Choice Requires="a14">
           <p:sp>
             <p:nvSpPr>
               <p:cNvPr id="6" name="Rounded Rectangular Callout 5">
@@ -7564,7 +7611,7 @@
             </p:txBody>
           </p:sp>
         </mc:Choice>
-        <mc:Fallback>
+        <mc:Fallback xmlns="">
           <p:sp>
             <p:nvSpPr>
               <p:cNvPr id="6" name="Rounded Rectangular Callout 5">
@@ -7784,8 +7831,8 @@
           </a:prstGeom>
         </p:spPr>
       </p:pic>
-      <mc:AlternateContent xmlns:mc="http://schemas.openxmlformats.org/markup-compatibility/2006">
-        <mc:Choice xmlns:a14="http://schemas.microsoft.com/office/drawing/2010/main" Requires="a14">
+      <mc:AlternateContent xmlns:mc="http://schemas.openxmlformats.org/markup-compatibility/2006" xmlns:a14="http://schemas.microsoft.com/office/drawing/2010/main">
+        <mc:Choice Requires="a14">
           <p:sp>
             <p:nvSpPr>
               <p:cNvPr id="12" name="TextBox 11">
@@ -7901,7 +7948,7 @@
             </p:txBody>
           </p:sp>
         </mc:Choice>
-        <mc:Fallback>
+        <mc:Fallback xmlns="">
           <p:sp>
             <p:nvSpPr>
               <p:cNvPr id="12" name="TextBox 11">
@@ -8364,8 +8411,8 @@
           </a:p>
         </p:txBody>
       </p:sp>
-      <mc:AlternateContent xmlns:mc="http://schemas.openxmlformats.org/markup-compatibility/2006">
-        <mc:Choice xmlns:a14="http://schemas.microsoft.com/office/drawing/2010/main" Requires="a14">
+      <mc:AlternateContent xmlns:mc="http://schemas.openxmlformats.org/markup-compatibility/2006" xmlns:a14="http://schemas.microsoft.com/office/drawing/2010/main">
+        <mc:Choice Requires="a14">
           <p:sp>
             <p:nvSpPr>
               <p:cNvPr id="6" name="TextBox 5">
@@ -8829,7 +8876,7 @@
             </p:txBody>
           </p:sp>
         </mc:Choice>
-        <mc:Fallback>
+        <mc:Fallback xmlns="">
           <p:sp>
             <p:nvSpPr>
               <p:cNvPr id="6" name="TextBox 5">
@@ -9050,7 +9097,7 @@
               <a:pPr/>
               <a:t>2</a:t>
             </a:fld>
-            <a:endParaRPr lang="en-CN"/>
+            <a:endParaRPr lang="en-CN" dirty="0"/>
           </a:p>
         </p:txBody>
       </p:sp>
@@ -10061,8 +10108,8 @@
           </a:p>
         </p:txBody>
       </p:sp>
-      <mc:AlternateContent xmlns:mc="http://schemas.openxmlformats.org/markup-compatibility/2006">
-        <mc:Choice xmlns:a14="http://schemas.microsoft.com/office/drawing/2010/main" Requires="a14">
+      <mc:AlternateContent xmlns:mc="http://schemas.openxmlformats.org/markup-compatibility/2006" xmlns:a14="http://schemas.microsoft.com/office/drawing/2010/main">
+        <mc:Choice Requires="a14">
           <p:sp>
             <p:nvSpPr>
               <p:cNvPr id="6" name="Rounded Rectangular Callout 5">
@@ -10202,7 +10249,7 @@
                           <a:ea typeface="Cambria Math" panose="02040503050406030204" pitchFamily="18" charset="0"/>
                           <a:cs typeface="Consolas" panose="020B0609020204030204" pitchFamily="49" charset="0"/>
                         </a:rPr>
-                        <m:t>-1}</m:t>
+                        <m:t>−1}</m:t>
                       </m:r>
                     </m:oMath>
                   </m:oMathPara>
@@ -10216,7 +10263,7 @@
             </p:txBody>
           </p:sp>
         </mc:Choice>
-        <mc:Fallback>
+        <mc:Fallback xmlns="">
           <p:sp>
             <p:nvSpPr>
               <p:cNvPr id="6" name="Rounded Rectangular Callout 5">
@@ -10563,8 +10610,8 @@
           </a:p>
         </p:txBody>
       </p:sp>
-      <mc:AlternateContent xmlns:mc="http://schemas.openxmlformats.org/markup-compatibility/2006">
-        <mc:Choice xmlns:a14="http://schemas.microsoft.com/office/drawing/2010/main" Requires="a14">
+      <mc:AlternateContent xmlns:mc="http://schemas.openxmlformats.org/markup-compatibility/2006" xmlns:a14="http://schemas.microsoft.com/office/drawing/2010/main">
+        <mc:Choice Requires="a14">
           <p:sp>
             <p:nvSpPr>
               <p:cNvPr id="4" name="TextBox 3">
@@ -10642,7 +10689,7 @@
             </p:txBody>
           </p:sp>
         </mc:Choice>
-        <mc:Fallback>
+        <mc:Fallback xmlns="">
           <p:sp>
             <p:nvSpPr>
               <p:cNvPr id="4" name="TextBox 3">
@@ -10843,8 +10890,8 @@
           </a:p>
         </p:txBody>
       </p:sp>
-      <mc:AlternateContent xmlns:mc="http://schemas.openxmlformats.org/markup-compatibility/2006">
-        <mc:Choice xmlns:a14="http://schemas.microsoft.com/office/drawing/2010/main" Requires="a14">
+      <mc:AlternateContent xmlns:mc="http://schemas.openxmlformats.org/markup-compatibility/2006" xmlns:a14="http://schemas.microsoft.com/office/drawing/2010/main">
+        <mc:Choice Requires="a14">
           <p:sp>
             <p:nvSpPr>
               <p:cNvPr id="3" name="Title 2">
@@ -10941,7 +10988,7 @@
             </p:txBody>
           </p:sp>
         </mc:Choice>
-        <mc:Fallback>
+        <mc:Fallback xmlns="">
           <p:sp>
             <p:nvSpPr>
               <p:cNvPr id="3" name="Title 2">
@@ -10981,8 +11028,8 @@
           </p:sp>
         </mc:Fallback>
       </mc:AlternateContent>
-      <mc:AlternateContent xmlns:mc="http://schemas.openxmlformats.org/markup-compatibility/2006">
-        <mc:Choice xmlns:a14="http://schemas.microsoft.com/office/drawing/2010/main" Requires="a14">
+      <mc:AlternateContent xmlns:mc="http://schemas.openxmlformats.org/markup-compatibility/2006" xmlns:a14="http://schemas.microsoft.com/office/drawing/2010/main">
+        <mc:Choice Requires="a14">
           <p:sp>
             <p:nvSpPr>
               <p:cNvPr id="4" name="TextBox 3">
@@ -11180,7 +11227,7 @@
             </p:txBody>
           </p:sp>
         </mc:Choice>
-        <mc:Fallback>
+        <mc:Fallback xmlns="">
           <p:sp>
             <p:nvSpPr>
               <p:cNvPr id="4" name="TextBox 3">
@@ -11369,8 +11416,8 @@
           </p:spPr>
         </p:pic>
       </p:grpSp>
-      <mc:AlternateContent xmlns:mc="http://schemas.openxmlformats.org/markup-compatibility/2006">
-        <mc:Choice xmlns:a14="http://schemas.microsoft.com/office/drawing/2010/main" Requires="a14">
+      <mc:AlternateContent xmlns:mc="http://schemas.openxmlformats.org/markup-compatibility/2006" xmlns:a14="http://schemas.microsoft.com/office/drawing/2010/main">
+        <mc:Choice Requires="a14">
           <p:sp>
             <p:nvSpPr>
               <p:cNvPr id="8" name="TextBox 7">
@@ -11542,7 +11589,7 @@
             </p:txBody>
           </p:sp>
         </mc:Choice>
-        <mc:Fallback>
+        <mc:Fallback xmlns="">
           <p:sp>
             <p:nvSpPr>
               <p:cNvPr id="8" name="TextBox 7">
